--- a/docs/diagrams/editLimitSequenceDiagram.pptx
+++ b/docs/diagrams/editLimitSequenceDiagram.pptx
@@ -261,7 +261,7 @@
           <a:p>
             <a:fld id="{308967D2-17F3-4CFE-A711-ECA42BFFA541}" type="datetimeFigureOut">
               <a:rPr lang="zh-CN" altLang="en-US" smtClean="0"/>
-              <a:t>2018/10/31</a:t>
+              <a:t>2018/11/10</a:t>
             </a:fld>
             <a:endParaRPr lang="zh-CN" altLang="en-US"/>
           </a:p>
@@ -461,7 +461,7 @@
           <a:p>
             <a:fld id="{308967D2-17F3-4CFE-A711-ECA42BFFA541}" type="datetimeFigureOut">
               <a:rPr lang="zh-CN" altLang="en-US" smtClean="0"/>
-              <a:t>2018/10/31</a:t>
+              <a:t>2018/11/10</a:t>
             </a:fld>
             <a:endParaRPr lang="zh-CN" altLang="en-US"/>
           </a:p>
@@ -671,7 +671,7 @@
           <a:p>
             <a:fld id="{308967D2-17F3-4CFE-A711-ECA42BFFA541}" type="datetimeFigureOut">
               <a:rPr lang="zh-CN" altLang="en-US" smtClean="0"/>
-              <a:t>2018/10/31</a:t>
+              <a:t>2018/11/10</a:t>
             </a:fld>
             <a:endParaRPr lang="zh-CN" altLang="en-US"/>
           </a:p>
@@ -871,7 +871,7 @@
           <a:p>
             <a:fld id="{308967D2-17F3-4CFE-A711-ECA42BFFA541}" type="datetimeFigureOut">
               <a:rPr lang="zh-CN" altLang="en-US" smtClean="0"/>
-              <a:t>2018/10/31</a:t>
+              <a:t>2018/11/10</a:t>
             </a:fld>
             <a:endParaRPr lang="zh-CN" altLang="en-US"/>
           </a:p>
@@ -1147,7 +1147,7 @@
           <a:p>
             <a:fld id="{308967D2-17F3-4CFE-A711-ECA42BFFA541}" type="datetimeFigureOut">
               <a:rPr lang="zh-CN" altLang="en-US" smtClean="0"/>
-              <a:t>2018/10/31</a:t>
+              <a:t>2018/11/10</a:t>
             </a:fld>
             <a:endParaRPr lang="zh-CN" altLang="en-US"/>
           </a:p>
@@ -1415,7 +1415,7 @@
           <a:p>
             <a:fld id="{308967D2-17F3-4CFE-A711-ECA42BFFA541}" type="datetimeFigureOut">
               <a:rPr lang="zh-CN" altLang="en-US" smtClean="0"/>
-              <a:t>2018/10/31</a:t>
+              <a:t>2018/11/10</a:t>
             </a:fld>
             <a:endParaRPr lang="zh-CN" altLang="en-US"/>
           </a:p>
@@ -1830,7 +1830,7 @@
           <a:p>
             <a:fld id="{308967D2-17F3-4CFE-A711-ECA42BFFA541}" type="datetimeFigureOut">
               <a:rPr lang="zh-CN" altLang="en-US" smtClean="0"/>
-              <a:t>2018/10/31</a:t>
+              <a:t>2018/11/10</a:t>
             </a:fld>
             <a:endParaRPr lang="zh-CN" altLang="en-US"/>
           </a:p>
@@ -1972,7 +1972,7 @@
           <a:p>
             <a:fld id="{308967D2-17F3-4CFE-A711-ECA42BFFA541}" type="datetimeFigureOut">
               <a:rPr lang="zh-CN" altLang="en-US" smtClean="0"/>
-              <a:t>2018/10/31</a:t>
+              <a:t>2018/11/10</a:t>
             </a:fld>
             <a:endParaRPr lang="zh-CN" altLang="en-US"/>
           </a:p>
@@ -2085,7 +2085,7 @@
           <a:p>
             <a:fld id="{308967D2-17F3-4CFE-A711-ECA42BFFA541}" type="datetimeFigureOut">
               <a:rPr lang="zh-CN" altLang="en-US" smtClean="0"/>
-              <a:t>2018/10/31</a:t>
+              <a:t>2018/11/10</a:t>
             </a:fld>
             <a:endParaRPr lang="zh-CN" altLang="en-US"/>
           </a:p>
@@ -2398,7 +2398,7 @@
           <a:p>
             <a:fld id="{308967D2-17F3-4CFE-A711-ECA42BFFA541}" type="datetimeFigureOut">
               <a:rPr lang="zh-CN" altLang="en-US" smtClean="0"/>
-              <a:t>2018/10/31</a:t>
+              <a:t>2018/11/10</a:t>
             </a:fld>
             <a:endParaRPr lang="zh-CN" altLang="en-US"/>
           </a:p>
@@ -2687,7 +2687,7 @@
           <a:p>
             <a:fld id="{308967D2-17F3-4CFE-A711-ECA42BFFA541}" type="datetimeFigureOut">
               <a:rPr lang="zh-CN" altLang="en-US" smtClean="0"/>
-              <a:t>2018/10/31</a:t>
+              <a:t>2018/11/10</a:t>
             </a:fld>
             <a:endParaRPr lang="zh-CN" altLang="en-US"/>
           </a:p>
@@ -2930,7 +2930,7 @@
           <a:p>
             <a:fld id="{308967D2-17F3-4CFE-A711-ECA42BFFA541}" type="datetimeFigureOut">
               <a:rPr lang="zh-CN" altLang="en-US" smtClean="0"/>
-              <a:t>2018/10/31</a:t>
+              <a:t>2018/11/10</a:t>
             </a:fld>
             <a:endParaRPr lang="zh-CN" altLang="en-US"/>
           </a:p>
@@ -6103,7 +6103,7 @@
                       <a:srgbClr val="7030A0"/>
                     </a:solidFill>
                   </a:rPr>
-                  <a:t>addLimit</a:t>
+                  <a:t>updateLimit</a:t>
                 </a:r>
                 <a:r>
                   <a:rPr lang="en-US" sz="1200" dirty="0">
@@ -7707,7 +7707,7 @@
         <p:spPr>
           <a:xfrm>
             <a:off x="6670561" y="3747269"/>
-            <a:ext cx="1878816" cy="369332"/>
+            <a:ext cx="1878816" cy="184666"/>
           </a:xfrm>
           <a:prstGeom prst="rect">
             <a:avLst/>
@@ -7738,26 +7738,7 @@
                   <a:schemeClr val="accent1"/>
                 </a:solidFill>
               </a:rPr>
-              <a:t>deleteLimit</a:t>
-            </a:r>
-            <a:r>
-              <a:rPr lang="en-SG" sz="1200" dirty="0">
-                <a:solidFill>
-                  <a:schemeClr val="accent1"/>
-                </a:solidFill>
-              </a:rPr>
-              <a:t>()</a:t>
-            </a:r>
-          </a:p>
-          <a:p>
-            <a:pPr algn="ctr"/>
-            <a:r>
-              <a:rPr lang="en-SG" sz="1200" dirty="0" err="1">
-                <a:solidFill>
-                  <a:schemeClr val="accent1"/>
-                </a:solidFill>
-              </a:rPr>
-              <a:t>addLimit</a:t>
+              <a:t>updateLimit</a:t>
             </a:r>
             <a:r>
               <a:rPr lang="en-SG" sz="1200" dirty="0">
